--- a/Experiments/relative_judgments/draw_stimuli.pptx
+++ b/Experiments/relative_judgments/draw_stimuli.pptx
@@ -277,7 +277,7 @@
           <a:p>
             <a:fld id="{B3D1F5A6-33BB-9F4E-9C59-2A3D50235D3A}" type="datetimeFigureOut">
               <a:rPr lang="en-US" smtClean="0"/>
-              <a:t>8/28/19</a:t>
+              <a:t>2/9/20</a:t>
             </a:fld>
             <a:endParaRPr lang="en-US"/>
           </a:p>
@@ -7885,7 +7885,7 @@
           <a:p>
             <a:fld id="{E02736CB-4232-A146-B165-19378F549313}" type="datetimeFigureOut">
               <a:rPr lang="en-US" smtClean="0"/>
-              <a:t>8/28/19</a:t>
+              <a:t>2/9/20</a:t>
             </a:fld>
             <a:endParaRPr lang="en-US"/>
           </a:p>
@@ -8050,7 +8050,7 @@
           <a:p>
             <a:fld id="{E02736CB-4232-A146-B165-19378F549313}" type="datetimeFigureOut">
               <a:rPr lang="en-US" smtClean="0"/>
-              <a:t>8/28/19</a:t>
+              <a:t>2/9/20</a:t>
             </a:fld>
             <a:endParaRPr lang="en-US"/>
           </a:p>
@@ -8225,7 +8225,7 @@
           <a:p>
             <a:fld id="{E02736CB-4232-A146-B165-19378F549313}" type="datetimeFigureOut">
               <a:rPr lang="en-US" smtClean="0"/>
-              <a:t>8/28/19</a:t>
+              <a:t>2/9/20</a:t>
             </a:fld>
             <a:endParaRPr lang="en-US"/>
           </a:p>
@@ -8390,7 +8390,7 @@
           <a:p>
             <a:fld id="{E02736CB-4232-A146-B165-19378F549313}" type="datetimeFigureOut">
               <a:rPr lang="en-US" smtClean="0"/>
-              <a:t>8/28/19</a:t>
+              <a:t>2/9/20</a:t>
             </a:fld>
             <a:endParaRPr lang="en-US"/>
           </a:p>
@@ -8629,7 +8629,7 @@
           <a:p>
             <a:fld id="{E02736CB-4232-A146-B165-19378F549313}" type="datetimeFigureOut">
               <a:rPr lang="en-US" smtClean="0"/>
-              <a:t>8/28/19</a:t>
+              <a:t>2/9/20</a:t>
             </a:fld>
             <a:endParaRPr lang="en-US"/>
           </a:p>
@@ -8856,7 +8856,7 @@
           <a:p>
             <a:fld id="{E02736CB-4232-A146-B165-19378F549313}" type="datetimeFigureOut">
               <a:rPr lang="en-US" smtClean="0"/>
-              <a:t>8/28/19</a:t>
+              <a:t>2/9/20</a:t>
             </a:fld>
             <a:endParaRPr lang="en-US"/>
           </a:p>
@@ -9218,7 +9218,7 @@
           <a:p>
             <a:fld id="{E02736CB-4232-A146-B165-19378F549313}" type="datetimeFigureOut">
               <a:rPr lang="en-US" smtClean="0"/>
-              <a:t>8/28/19</a:t>
+              <a:t>2/9/20</a:t>
             </a:fld>
             <a:endParaRPr lang="en-US"/>
           </a:p>
@@ -9331,7 +9331,7 @@
           <a:p>
             <a:fld id="{E02736CB-4232-A146-B165-19378F549313}" type="datetimeFigureOut">
               <a:rPr lang="en-US" smtClean="0"/>
-              <a:t>8/28/19</a:t>
+              <a:t>2/9/20</a:t>
             </a:fld>
             <a:endParaRPr lang="en-US"/>
           </a:p>
@@ -9421,7 +9421,7 @@
           <a:p>
             <a:fld id="{E02736CB-4232-A146-B165-19378F549313}" type="datetimeFigureOut">
               <a:rPr lang="en-US" smtClean="0"/>
-              <a:t>8/28/19</a:t>
+              <a:t>2/9/20</a:t>
             </a:fld>
             <a:endParaRPr lang="en-US"/>
           </a:p>
@@ -9693,7 +9693,7 @@
           <a:p>
             <a:fld id="{E02736CB-4232-A146-B165-19378F549313}" type="datetimeFigureOut">
               <a:rPr lang="en-US" smtClean="0"/>
-              <a:t>8/28/19</a:t>
+              <a:t>2/9/20</a:t>
             </a:fld>
             <a:endParaRPr lang="en-US"/>
           </a:p>
@@ -9945,7 +9945,7 @@
           <a:p>
             <a:fld id="{E02736CB-4232-A146-B165-19378F549313}" type="datetimeFigureOut">
               <a:rPr lang="en-US" smtClean="0"/>
-              <a:t>8/28/19</a:t>
+              <a:t>2/9/20</a:t>
             </a:fld>
             <a:endParaRPr lang="en-US"/>
           </a:p>
@@ -10153,7 +10153,7 @@
           <a:p>
             <a:fld id="{E02736CB-4232-A146-B165-19378F549313}" type="datetimeFigureOut">
               <a:rPr lang="en-US" smtClean="0"/>
-              <a:t>8/28/19</a:t>
+              <a:t>2/9/20</a:t>
             </a:fld>
             <a:endParaRPr lang="en-US"/>
           </a:p>
@@ -10677,12 +10677,12 @@
           <a:p>
             <a:pPr algn="ctr"/>
             <a:r>
-              <a:rPr lang="en-US" sz="8000" smtClean="0">
+              <a:rPr lang="en-US" sz="8000" dirty="0" smtClean="0">
                 <a:solidFill>
                   <a:srgbClr val="C00000"/>
                 </a:solidFill>
               </a:rPr>
-              <a:t>Z</a:t>
+              <a:t>Y</a:t>
             </a:r>
             <a:endParaRPr lang="en-US" sz="8000" dirty="0">
               <a:solidFill>
@@ -10749,7 +10749,7 @@
                   <a:srgbClr val="C00000"/>
                 </a:solidFill>
               </a:rPr>
-              <a:t>Y</a:t>
+              <a:t>D</a:t>
             </a:r>
             <a:endParaRPr lang="en-US" sz="8000" dirty="0">
               <a:solidFill>
@@ -11105,12 +11105,12 @@
           <a:p>
             <a:pPr algn="ctr"/>
             <a:r>
-              <a:rPr lang="en-US" sz="8000" smtClean="0">
+              <a:rPr lang="en-US" sz="8000" dirty="0" smtClean="0">
                 <a:solidFill>
                   <a:srgbClr val="C00000"/>
                 </a:solidFill>
               </a:rPr>
-              <a:t>Z</a:t>
+              <a:t>Y</a:t>
             </a:r>
             <a:endParaRPr lang="en-US" sz="8000" dirty="0">
               <a:solidFill>
@@ -11177,7 +11177,7 @@
                   <a:srgbClr val="C00000"/>
                 </a:solidFill>
               </a:rPr>
-              <a:t>Y</a:t>
+              <a:t>D</a:t>
             </a:r>
             <a:endParaRPr lang="en-US" sz="8000" dirty="0">
               <a:solidFill>
@@ -11538,7 +11538,7 @@
                   <a:srgbClr val="C00000"/>
                 </a:solidFill>
               </a:rPr>
-              <a:t>Z</a:t>
+              <a:t>Y</a:t>
             </a:r>
             <a:endParaRPr lang="en-US" sz="8000" dirty="0">
               <a:solidFill>
@@ -11605,7 +11605,7 @@
                   <a:srgbClr val="C00000"/>
                 </a:solidFill>
               </a:rPr>
-              <a:t>Y</a:t>
+              <a:t>D</a:t>
             </a:r>
             <a:endParaRPr lang="en-US" sz="8000" dirty="0">
               <a:solidFill>
@@ -11964,7 +11964,7 @@
                   <a:srgbClr val="C00000"/>
                 </a:solidFill>
               </a:rPr>
-              <a:t>Z</a:t>
+              <a:t>Y</a:t>
             </a:r>
             <a:endParaRPr lang="en-US" sz="8000" dirty="0">
               <a:solidFill>
@@ -12031,7 +12031,7 @@
                   <a:srgbClr val="C00000"/>
                 </a:solidFill>
               </a:rPr>
-              <a:t>Y</a:t>
+              <a:t>D</a:t>
             </a:r>
             <a:endParaRPr lang="en-US" sz="8000" dirty="0">
               <a:solidFill>
@@ -12390,7 +12390,7 @@
                   <a:srgbClr val="C00000"/>
                 </a:solidFill>
               </a:rPr>
-              <a:t>Z</a:t>
+              <a:t>Y</a:t>
             </a:r>
             <a:endParaRPr lang="en-US" sz="8000" dirty="0">
               <a:solidFill>
@@ -12457,7 +12457,7 @@
                   <a:srgbClr val="C00000"/>
                 </a:solidFill>
               </a:rPr>
-              <a:t>Y</a:t>
+              <a:t>D</a:t>
             </a:r>
             <a:endParaRPr lang="en-US" sz="8000" dirty="0">
               <a:solidFill>
@@ -12816,7 +12816,7 @@
                   <a:srgbClr val="C00000"/>
                 </a:solidFill>
               </a:rPr>
-              <a:t>Z</a:t>
+              <a:t>Y</a:t>
             </a:r>
             <a:endParaRPr lang="en-US" sz="8000" dirty="0">
               <a:solidFill>
@@ -12883,7 +12883,7 @@
                   <a:srgbClr val="C00000"/>
                 </a:solidFill>
               </a:rPr>
-              <a:t>Y</a:t>
+              <a:t>D</a:t>
             </a:r>
             <a:endParaRPr lang="en-US" sz="8000" dirty="0">
               <a:solidFill>
@@ -13242,7 +13242,7 @@
                   <a:srgbClr val="C00000"/>
                 </a:solidFill>
               </a:rPr>
-              <a:t>Z</a:t>
+              <a:t>Y</a:t>
             </a:r>
             <a:endParaRPr lang="en-US" sz="8000" dirty="0">
               <a:solidFill>
@@ -13309,7 +13309,7 @@
                   <a:srgbClr val="C00000"/>
                 </a:solidFill>
               </a:rPr>
-              <a:t>Y</a:t>
+              <a:t>D</a:t>
             </a:r>
             <a:endParaRPr lang="en-US" sz="8000" dirty="0">
               <a:solidFill>
@@ -13668,7 +13668,7 @@
                   <a:srgbClr val="C00000"/>
                 </a:solidFill>
               </a:rPr>
-              <a:t>Z</a:t>
+              <a:t>Y</a:t>
             </a:r>
             <a:endParaRPr lang="en-US" sz="8000" dirty="0">
               <a:solidFill>
@@ -13735,7 +13735,7 @@
                   <a:srgbClr val="C00000"/>
                 </a:solidFill>
               </a:rPr>
-              <a:t>Y</a:t>
+              <a:t>D</a:t>
             </a:r>
             <a:endParaRPr lang="en-US" sz="8000" dirty="0">
               <a:solidFill>
@@ -14091,7 +14091,7 @@
                   <a:srgbClr val="C00000"/>
                 </a:solidFill>
               </a:rPr>
-              <a:t>Z</a:t>
+              <a:t>Y</a:t>
             </a:r>
             <a:endParaRPr lang="en-US" sz="8000" dirty="0">
               <a:solidFill>
@@ -14158,7 +14158,7 @@
                   <a:srgbClr val="C00000"/>
                 </a:solidFill>
               </a:rPr>
-              <a:t>Y</a:t>
+              <a:t>D</a:t>
             </a:r>
             <a:endParaRPr lang="en-US" sz="8000" dirty="0">
               <a:solidFill>
@@ -14514,7 +14514,7 @@
                   <a:srgbClr val="C00000"/>
                 </a:solidFill>
               </a:rPr>
-              <a:t>Z</a:t>
+              <a:t>Y</a:t>
             </a:r>
             <a:endParaRPr lang="en-US" sz="8000" dirty="0">
               <a:solidFill>
@@ -14581,7 +14581,7 @@
                   <a:srgbClr val="C00000"/>
                 </a:solidFill>
               </a:rPr>
-              <a:t>Y</a:t>
+              <a:t>D</a:t>
             </a:r>
             <a:endParaRPr lang="en-US" sz="8000" dirty="0">
               <a:solidFill>
@@ -14937,7 +14937,7 @@
                   <a:srgbClr val="C00000"/>
                 </a:solidFill>
               </a:rPr>
-              <a:t>Z</a:t>
+              <a:t>Y</a:t>
             </a:r>
             <a:endParaRPr lang="en-US" sz="8000" dirty="0">
               <a:solidFill>
@@ -15004,7 +15004,7 @@
                   <a:srgbClr val="C00000"/>
                 </a:solidFill>
               </a:rPr>
-              <a:t>Y</a:t>
+              <a:t>D</a:t>
             </a:r>
             <a:endParaRPr lang="en-US" sz="8000" dirty="0">
               <a:solidFill>
@@ -15358,12 +15358,12 @@
           <a:p>
             <a:pPr algn="ctr"/>
             <a:r>
-              <a:rPr lang="en-US" sz="8000" smtClean="0">
+              <a:rPr lang="en-US" sz="8000" dirty="0" smtClean="0">
                 <a:solidFill>
                   <a:srgbClr val="C00000"/>
                 </a:solidFill>
               </a:rPr>
-              <a:t>Z</a:t>
+              <a:t>Y</a:t>
             </a:r>
             <a:endParaRPr lang="en-US" sz="8000" dirty="0">
               <a:solidFill>
@@ -15430,7 +15430,7 @@
                   <a:srgbClr val="C00000"/>
                 </a:solidFill>
               </a:rPr>
-              <a:t>Y</a:t>
+              <a:t>D</a:t>
             </a:r>
             <a:endParaRPr lang="en-US" sz="8000" dirty="0">
               <a:solidFill>
@@ -15791,7 +15791,7 @@
                   <a:srgbClr val="C00000"/>
                 </a:solidFill>
               </a:rPr>
-              <a:t>Z</a:t>
+              <a:t>Y</a:t>
             </a:r>
             <a:endParaRPr lang="en-US" sz="8000" dirty="0">
               <a:solidFill>
@@ -15858,7 +15858,7 @@
                   <a:srgbClr val="C00000"/>
                 </a:solidFill>
               </a:rPr>
-              <a:t>Y</a:t>
+              <a:t>D</a:t>
             </a:r>
             <a:endParaRPr lang="en-US" sz="8000" dirty="0">
               <a:solidFill>
@@ -16217,7 +16217,7 @@
                   <a:srgbClr val="C00000"/>
                 </a:solidFill>
               </a:rPr>
-              <a:t>Z</a:t>
+              <a:t>Y</a:t>
             </a:r>
             <a:endParaRPr lang="en-US" sz="8000" dirty="0">
               <a:solidFill>
@@ -16284,7 +16284,7 @@
                   <a:srgbClr val="C00000"/>
                 </a:solidFill>
               </a:rPr>
-              <a:t>Y</a:t>
+              <a:t>D</a:t>
             </a:r>
             <a:endParaRPr lang="en-US" sz="8000" dirty="0">
               <a:solidFill>
@@ -16643,7 +16643,7 @@
                   <a:srgbClr val="C00000"/>
                 </a:solidFill>
               </a:rPr>
-              <a:t>Z</a:t>
+              <a:t>Y</a:t>
             </a:r>
             <a:endParaRPr lang="en-US" sz="8000" dirty="0">
               <a:solidFill>
@@ -16710,7 +16710,7 @@
                   <a:srgbClr val="C00000"/>
                 </a:solidFill>
               </a:rPr>
-              <a:t>Y</a:t>
+              <a:t>D</a:t>
             </a:r>
             <a:endParaRPr lang="en-US" sz="8000" dirty="0">
               <a:solidFill>
@@ -17069,7 +17069,7 @@
                   <a:srgbClr val="C00000"/>
                 </a:solidFill>
               </a:rPr>
-              <a:t>Z</a:t>
+              <a:t>Y</a:t>
             </a:r>
             <a:endParaRPr lang="en-US" sz="8000" dirty="0">
               <a:solidFill>
@@ -17136,7 +17136,7 @@
                   <a:srgbClr val="C00000"/>
                 </a:solidFill>
               </a:rPr>
-              <a:t>Y</a:t>
+              <a:t>D</a:t>
             </a:r>
             <a:endParaRPr lang="en-US" sz="8000" dirty="0">
               <a:solidFill>
@@ -17495,7 +17495,7 @@
                   <a:srgbClr val="C00000"/>
                 </a:solidFill>
               </a:rPr>
-              <a:t>Z</a:t>
+              <a:t>Y</a:t>
             </a:r>
             <a:endParaRPr lang="en-US" sz="8000" dirty="0">
               <a:solidFill>
@@ -17562,7 +17562,7 @@
                   <a:srgbClr val="C00000"/>
                 </a:solidFill>
               </a:rPr>
-              <a:t>Y</a:t>
+              <a:t>D</a:t>
             </a:r>
             <a:endParaRPr lang="en-US" sz="8000" dirty="0">
               <a:solidFill>
@@ -17921,7 +17921,7 @@
                   <a:srgbClr val="C00000"/>
                 </a:solidFill>
               </a:rPr>
-              <a:t>Z</a:t>
+              <a:t>Y</a:t>
             </a:r>
             <a:endParaRPr lang="en-US" sz="8000" dirty="0">
               <a:solidFill>
@@ -17988,7 +17988,7 @@
                   <a:srgbClr val="C00000"/>
                 </a:solidFill>
               </a:rPr>
-              <a:t>Y</a:t>
+              <a:t>D</a:t>
             </a:r>
             <a:endParaRPr lang="en-US" sz="8000" dirty="0">
               <a:solidFill>
@@ -18344,7 +18344,7 @@
                   <a:srgbClr val="C00000"/>
                 </a:solidFill>
               </a:rPr>
-              <a:t>Z</a:t>
+              <a:t>Y</a:t>
             </a:r>
             <a:endParaRPr lang="en-US" sz="8000" dirty="0">
               <a:solidFill>
@@ -18411,7 +18411,7 @@
                   <a:srgbClr val="C00000"/>
                 </a:solidFill>
               </a:rPr>
-              <a:t>Y</a:t>
+              <a:t>D</a:t>
             </a:r>
             <a:endParaRPr lang="en-US" sz="8000" dirty="0">
               <a:solidFill>
@@ -18767,7 +18767,7 @@
                   <a:srgbClr val="C00000"/>
                 </a:solidFill>
               </a:rPr>
-              <a:t>Z</a:t>
+              <a:t>Y</a:t>
             </a:r>
             <a:endParaRPr lang="en-US" sz="8000" dirty="0">
               <a:solidFill>
@@ -18834,7 +18834,7 @@
                   <a:srgbClr val="C00000"/>
                 </a:solidFill>
               </a:rPr>
-              <a:t>Y</a:t>
+              <a:t>D</a:t>
             </a:r>
             <a:endParaRPr lang="en-US" sz="8000" dirty="0">
               <a:solidFill>
@@ -19190,7 +19190,7 @@
                   <a:srgbClr val="C00000"/>
                 </a:solidFill>
               </a:rPr>
-              <a:t>Z</a:t>
+              <a:t>Y</a:t>
             </a:r>
             <a:endParaRPr lang="en-US" sz="8000" dirty="0">
               <a:solidFill>
@@ -19257,7 +19257,7 @@
                   <a:srgbClr val="C00000"/>
                 </a:solidFill>
               </a:rPr>
-              <a:t>Y</a:t>
+              <a:t>D</a:t>
             </a:r>
             <a:endParaRPr lang="en-US" sz="8000" dirty="0">
               <a:solidFill>
@@ -19618,7 +19618,7 @@
                   <a:srgbClr val="C00000"/>
                 </a:solidFill>
               </a:rPr>
-              <a:t>Z</a:t>
+              <a:t>Y</a:t>
             </a:r>
             <a:endParaRPr lang="en-US" sz="8000" dirty="0">
               <a:solidFill>
@@ -19685,7 +19685,7 @@
                   <a:srgbClr val="C00000"/>
                 </a:solidFill>
               </a:rPr>
-              <a:t>Y</a:t>
+              <a:t>D</a:t>
             </a:r>
             <a:endParaRPr lang="en-US" sz="8000" dirty="0">
               <a:solidFill>
@@ -20038,12 +20038,12 @@
           <a:p>
             <a:pPr algn="ctr"/>
             <a:r>
-              <a:rPr lang="en-US" sz="8000" smtClean="0">
+              <a:rPr lang="en-US" sz="8000" dirty="0" smtClean="0">
                 <a:solidFill>
                   <a:srgbClr val="C00000"/>
                 </a:solidFill>
               </a:rPr>
-              <a:t>Z</a:t>
+              <a:t>Y</a:t>
             </a:r>
             <a:endParaRPr lang="en-US" sz="8000" dirty="0">
               <a:solidFill>
@@ -20110,7 +20110,7 @@
                   <a:srgbClr val="C00000"/>
                 </a:solidFill>
               </a:rPr>
-              <a:t>Y</a:t>
+              <a:t>D</a:t>
             </a:r>
             <a:endParaRPr lang="en-US" sz="8000" dirty="0">
               <a:solidFill>
@@ -20471,7 +20471,7 @@
                   <a:srgbClr val="C00000"/>
                 </a:solidFill>
               </a:rPr>
-              <a:t>Z</a:t>
+              <a:t>Y</a:t>
             </a:r>
             <a:endParaRPr lang="en-US" sz="8000" dirty="0">
               <a:solidFill>
@@ -20538,7 +20538,7 @@
                   <a:srgbClr val="C00000"/>
                 </a:solidFill>
               </a:rPr>
-              <a:t>Y</a:t>
+              <a:t>D</a:t>
             </a:r>
             <a:endParaRPr lang="en-US" sz="8000" dirty="0">
               <a:solidFill>
@@ -20896,7 +20896,7 @@
                   <a:srgbClr val="C00000"/>
                 </a:solidFill>
               </a:rPr>
-              <a:t>Z</a:t>
+              <a:t>Y</a:t>
             </a:r>
             <a:endParaRPr lang="en-US" sz="8000" dirty="0">
               <a:solidFill>
@@ -20963,7 +20963,7 @@
                   <a:srgbClr val="C00000"/>
                 </a:solidFill>
               </a:rPr>
-              <a:t>Y</a:t>
+              <a:t>D</a:t>
             </a:r>
             <a:endParaRPr lang="en-US" sz="8000" dirty="0">
               <a:solidFill>
@@ -21321,7 +21321,7 @@
                   <a:srgbClr val="C00000"/>
                 </a:solidFill>
               </a:rPr>
-              <a:t>Z</a:t>
+              <a:t>Y</a:t>
             </a:r>
             <a:endParaRPr lang="en-US" sz="8000" dirty="0">
               <a:solidFill>
@@ -21388,7 +21388,7 @@
                   <a:srgbClr val="C00000"/>
                 </a:solidFill>
               </a:rPr>
-              <a:t>Y</a:t>
+              <a:t>D</a:t>
             </a:r>
             <a:endParaRPr lang="en-US" sz="8000" dirty="0">
               <a:solidFill>
@@ -21746,7 +21746,7 @@
                   <a:srgbClr val="C00000"/>
                 </a:solidFill>
               </a:rPr>
-              <a:t>Z</a:t>
+              <a:t>Y</a:t>
             </a:r>
             <a:endParaRPr lang="en-US" sz="8000" dirty="0">
               <a:solidFill>
@@ -21813,7 +21813,7 @@
                   <a:srgbClr val="C00000"/>
                 </a:solidFill>
               </a:rPr>
-              <a:t>Y</a:t>
+              <a:t>D</a:t>
             </a:r>
             <a:endParaRPr lang="en-US" sz="8000" dirty="0">
               <a:solidFill>
@@ -22171,7 +22171,7 @@
                   <a:srgbClr val="C00000"/>
                 </a:solidFill>
               </a:rPr>
-              <a:t>Z</a:t>
+              <a:t>Y</a:t>
             </a:r>
             <a:endParaRPr lang="en-US" sz="8000" dirty="0">
               <a:solidFill>
@@ -22238,7 +22238,7 @@
                   <a:srgbClr val="C00000"/>
                 </a:solidFill>
               </a:rPr>
-              <a:t>Y</a:t>
+              <a:t>D</a:t>
             </a:r>
             <a:endParaRPr lang="en-US" sz="8000" dirty="0">
               <a:solidFill>
@@ -22593,7 +22593,7 @@
                   <a:srgbClr val="C00000"/>
                 </a:solidFill>
               </a:rPr>
-              <a:t>Z</a:t>
+              <a:t>Y</a:t>
             </a:r>
             <a:endParaRPr lang="en-US" sz="8000" dirty="0">
               <a:solidFill>
@@ -22660,7 +22660,7 @@
                   <a:srgbClr val="C00000"/>
                 </a:solidFill>
               </a:rPr>
-              <a:t>Y</a:t>
+              <a:t>D</a:t>
             </a:r>
             <a:endParaRPr lang="en-US" sz="8000" dirty="0">
               <a:solidFill>
@@ -23015,7 +23015,7 @@
                   <a:srgbClr val="C00000"/>
                 </a:solidFill>
               </a:rPr>
-              <a:t>Z</a:t>
+              <a:t>Y</a:t>
             </a:r>
             <a:endParaRPr lang="en-US" sz="8000" dirty="0">
               <a:solidFill>
@@ -23082,7 +23082,7 @@
                   <a:srgbClr val="C00000"/>
                 </a:solidFill>
               </a:rPr>
-              <a:t>Y</a:t>
+              <a:t>D</a:t>
             </a:r>
             <a:endParaRPr lang="en-US" sz="8000" dirty="0">
               <a:solidFill>
@@ -23437,7 +23437,7 @@
                   <a:srgbClr val="C00000"/>
                 </a:solidFill>
               </a:rPr>
-              <a:t>Z</a:t>
+              <a:t>Y</a:t>
             </a:r>
             <a:endParaRPr lang="en-US" sz="8000" dirty="0">
               <a:solidFill>
@@ -23504,7 +23504,7 @@
                   <a:srgbClr val="C00000"/>
                 </a:solidFill>
               </a:rPr>
-              <a:t>Y</a:t>
+              <a:t>D</a:t>
             </a:r>
             <a:endParaRPr lang="en-US" sz="8000" dirty="0">
               <a:solidFill>
@@ -23862,7 +23862,7 @@
                   <a:srgbClr val="C00000"/>
                 </a:solidFill>
               </a:rPr>
-              <a:t>Z</a:t>
+              <a:t>Y</a:t>
             </a:r>
             <a:endParaRPr lang="en-US" sz="8000" dirty="0">
               <a:solidFill>
@@ -23929,7 +23929,7 @@
                   <a:srgbClr val="C00000"/>
                 </a:solidFill>
               </a:rPr>
-              <a:t>Y</a:t>
+              <a:t>D</a:t>
             </a:r>
             <a:endParaRPr lang="en-US" sz="8000" dirty="0">
               <a:solidFill>
@@ -24285,7 +24285,7 @@
                   <a:srgbClr val="C00000"/>
                 </a:solidFill>
               </a:rPr>
-              <a:t>Z</a:t>
+              <a:t>Y</a:t>
             </a:r>
             <a:endParaRPr lang="en-US" sz="8000" dirty="0">
               <a:solidFill>
@@ -24352,7 +24352,7 @@
                   <a:srgbClr val="C00000"/>
                 </a:solidFill>
               </a:rPr>
-              <a:t>Y</a:t>
+              <a:t>D</a:t>
             </a:r>
             <a:endParaRPr lang="en-US" sz="8000" dirty="0">
               <a:solidFill>
@@ -24703,12 +24703,12 @@
           <a:p>
             <a:pPr algn="ctr"/>
             <a:r>
-              <a:rPr lang="en-US" sz="8000" smtClean="0">
+              <a:rPr lang="en-US" sz="8000" dirty="0" smtClean="0">
                 <a:solidFill>
                   <a:srgbClr val="C00000"/>
                 </a:solidFill>
               </a:rPr>
-              <a:t>Z</a:t>
+              <a:t>Y</a:t>
             </a:r>
             <a:endParaRPr lang="en-US" sz="8000" dirty="0">
               <a:solidFill>
@@ -24775,7 +24775,7 @@
                   <a:srgbClr val="C00000"/>
                 </a:solidFill>
               </a:rPr>
-              <a:t>Y</a:t>
+              <a:t>D</a:t>
             </a:r>
             <a:endParaRPr lang="en-US" sz="8000" dirty="0">
               <a:solidFill>
@@ -25136,7 +25136,7 @@
                   <a:srgbClr val="C00000"/>
                 </a:solidFill>
               </a:rPr>
-              <a:t>Z</a:t>
+              <a:t>Y</a:t>
             </a:r>
             <a:endParaRPr lang="en-US" sz="8000" dirty="0">
               <a:solidFill>
@@ -25203,7 +25203,7 @@
                   <a:srgbClr val="C00000"/>
                 </a:solidFill>
               </a:rPr>
-              <a:t>Y</a:t>
+              <a:t>D</a:t>
             </a:r>
             <a:endParaRPr lang="en-US" sz="8000" dirty="0">
               <a:solidFill>
@@ -25559,7 +25559,7 @@
                   <a:srgbClr val="C00000"/>
                 </a:solidFill>
               </a:rPr>
-              <a:t>Z</a:t>
+              <a:t>Y</a:t>
             </a:r>
             <a:endParaRPr lang="en-US" sz="8000" dirty="0">
               <a:solidFill>
@@ -25626,7 +25626,7 @@
                   <a:srgbClr val="C00000"/>
                 </a:solidFill>
               </a:rPr>
-              <a:t>Y</a:t>
+              <a:t>D</a:t>
             </a:r>
             <a:endParaRPr lang="en-US" sz="8000" dirty="0">
               <a:solidFill>
@@ -25982,7 +25982,7 @@
                   <a:srgbClr val="C00000"/>
                 </a:solidFill>
               </a:rPr>
-              <a:t>Z</a:t>
+              <a:t>Y</a:t>
             </a:r>
             <a:endParaRPr lang="en-US" sz="8000" dirty="0">
               <a:solidFill>
@@ -26049,7 +26049,7 @@
                   <a:srgbClr val="C00000"/>
                 </a:solidFill>
               </a:rPr>
-              <a:t>Y</a:t>
+              <a:t>D</a:t>
             </a:r>
             <a:endParaRPr lang="en-US" sz="8000" dirty="0">
               <a:solidFill>
@@ -26405,7 +26405,7 @@
                   <a:srgbClr val="C00000"/>
                 </a:solidFill>
               </a:rPr>
-              <a:t>Z</a:t>
+              <a:t>Y</a:t>
             </a:r>
             <a:endParaRPr lang="en-US" sz="8000" dirty="0">
               <a:solidFill>
@@ -26472,7 +26472,7 @@
                   <a:srgbClr val="C00000"/>
                 </a:solidFill>
               </a:rPr>
-              <a:t>Y</a:t>
+              <a:t>D</a:t>
             </a:r>
             <a:endParaRPr lang="en-US" sz="8000" dirty="0">
               <a:solidFill>
@@ -26825,7 +26825,7 @@
                   <a:srgbClr val="C00000"/>
                 </a:solidFill>
               </a:rPr>
-              <a:t>Z</a:t>
+              <a:t>Y</a:t>
             </a:r>
             <a:endParaRPr lang="en-US" sz="8000" dirty="0">
               <a:solidFill>
@@ -26892,7 +26892,7 @@
                   <a:srgbClr val="C00000"/>
                 </a:solidFill>
               </a:rPr>
-              <a:t>Y</a:t>
+              <a:t>D</a:t>
             </a:r>
             <a:endParaRPr lang="en-US" sz="8000" dirty="0">
               <a:solidFill>
@@ -27245,7 +27245,7 @@
                   <a:srgbClr val="C00000"/>
                 </a:solidFill>
               </a:rPr>
-              <a:t>Z</a:t>
+              <a:t>Y</a:t>
             </a:r>
             <a:endParaRPr lang="en-US" sz="8000" dirty="0">
               <a:solidFill>
@@ -27312,7 +27312,7 @@
                   <a:srgbClr val="C00000"/>
                 </a:solidFill>
               </a:rPr>
-              <a:t>Y</a:t>
+              <a:t>D</a:t>
             </a:r>
             <a:endParaRPr lang="en-US" sz="8000" dirty="0">
               <a:solidFill>
@@ -27665,7 +27665,7 @@
                   <a:srgbClr val="C00000"/>
                 </a:solidFill>
               </a:rPr>
-              <a:t>Z</a:t>
+              <a:t>Y</a:t>
             </a:r>
             <a:endParaRPr lang="en-US" sz="8000" dirty="0">
               <a:solidFill>
@@ -27732,7 +27732,7 @@
                   <a:srgbClr val="C00000"/>
                 </a:solidFill>
               </a:rPr>
-              <a:t>Y</a:t>
+              <a:t>D</a:t>
             </a:r>
             <a:endParaRPr lang="en-US" sz="8000" dirty="0">
               <a:solidFill>
@@ -28088,7 +28088,7 @@
                   <a:srgbClr val="C00000"/>
                 </a:solidFill>
               </a:rPr>
-              <a:t>Z</a:t>
+              <a:t>Y</a:t>
             </a:r>
             <a:endParaRPr lang="en-US" sz="8000" dirty="0">
               <a:solidFill>
@@ -28155,7 +28155,7 @@
                   <a:srgbClr val="C00000"/>
                 </a:solidFill>
               </a:rPr>
-              <a:t>Y</a:t>
+              <a:t>D</a:t>
             </a:r>
             <a:endParaRPr lang="en-US" sz="8000" dirty="0">
               <a:solidFill>
@@ -28511,7 +28511,7 @@
                   <a:srgbClr val="C00000"/>
                 </a:solidFill>
               </a:rPr>
-              <a:t>Z</a:t>
+              <a:t>Y</a:t>
             </a:r>
             <a:endParaRPr lang="en-US" sz="8000" dirty="0">
               <a:solidFill>
@@ -28578,7 +28578,7 @@
                   <a:srgbClr val="C00000"/>
                 </a:solidFill>
               </a:rPr>
-              <a:t>Y</a:t>
+              <a:t>D</a:t>
             </a:r>
             <a:endParaRPr lang="en-US" sz="8000" dirty="0">
               <a:solidFill>
@@ -28934,7 +28934,7 @@
                   <a:srgbClr val="C00000"/>
                 </a:solidFill>
               </a:rPr>
-              <a:t>Z</a:t>
+              <a:t>Y</a:t>
             </a:r>
             <a:endParaRPr lang="en-US" sz="8000" dirty="0">
               <a:solidFill>
@@ -29001,7 +29001,7 @@
                   <a:srgbClr val="C00000"/>
                 </a:solidFill>
               </a:rPr>
-              <a:t>Y</a:t>
+              <a:t>D</a:t>
             </a:r>
             <a:endParaRPr lang="en-US" sz="8000" dirty="0">
               <a:solidFill>
@@ -29352,12 +29352,12 @@
           <a:p>
             <a:pPr algn="ctr"/>
             <a:r>
-              <a:rPr lang="en-US" sz="8000" smtClean="0">
+              <a:rPr lang="en-US" sz="8000" dirty="0" smtClean="0">
                 <a:solidFill>
                   <a:srgbClr val="C00000"/>
                 </a:solidFill>
               </a:rPr>
-              <a:t>Z</a:t>
+              <a:t>Y</a:t>
             </a:r>
             <a:endParaRPr lang="en-US" sz="8000" dirty="0">
               <a:solidFill>
@@ -29424,7 +29424,7 @@
                   <a:srgbClr val="C00000"/>
                 </a:solidFill>
               </a:rPr>
-              <a:t>Y</a:t>
+              <a:t>D</a:t>
             </a:r>
             <a:endParaRPr lang="en-US" sz="8000" dirty="0">
               <a:solidFill>
@@ -29785,7 +29785,7 @@
                   <a:srgbClr val="C00000"/>
                 </a:solidFill>
               </a:rPr>
-              <a:t>Z</a:t>
+              <a:t>Y</a:t>
             </a:r>
             <a:endParaRPr lang="en-US" sz="8000" dirty="0">
               <a:solidFill>
@@ -29852,7 +29852,7 @@
                   <a:srgbClr val="C00000"/>
                 </a:solidFill>
               </a:rPr>
-              <a:t>Y</a:t>
+              <a:t>D</a:t>
             </a:r>
             <a:endParaRPr lang="en-US" sz="8000" dirty="0">
               <a:solidFill>
@@ -30208,7 +30208,7 @@
                   <a:srgbClr val="C00000"/>
                 </a:solidFill>
               </a:rPr>
-              <a:t>Z</a:t>
+              <a:t>Y</a:t>
             </a:r>
             <a:endParaRPr lang="en-US" sz="8000" dirty="0">
               <a:solidFill>
@@ -30275,7 +30275,7 @@
                   <a:srgbClr val="C00000"/>
                 </a:solidFill>
               </a:rPr>
-              <a:t>Y</a:t>
+              <a:t>D</a:t>
             </a:r>
             <a:endParaRPr lang="en-US" sz="8000" dirty="0">
               <a:solidFill>
@@ -30631,7 +30631,7 @@
                   <a:srgbClr val="C00000"/>
                 </a:solidFill>
               </a:rPr>
-              <a:t>Z</a:t>
+              <a:t>Y</a:t>
             </a:r>
             <a:endParaRPr lang="en-US" sz="8000" dirty="0">
               <a:solidFill>
@@ -30698,7 +30698,7 @@
                   <a:srgbClr val="C00000"/>
                 </a:solidFill>
               </a:rPr>
-              <a:t>Y</a:t>
+              <a:t>D</a:t>
             </a:r>
             <a:endParaRPr lang="en-US" sz="8000" dirty="0">
               <a:solidFill>
@@ -31051,7 +31051,7 @@
                   <a:srgbClr val="C00000"/>
                 </a:solidFill>
               </a:rPr>
-              <a:t>Z</a:t>
+              <a:t>Y</a:t>
             </a:r>
             <a:endParaRPr lang="en-US" sz="8000" dirty="0">
               <a:solidFill>
@@ -31118,7 +31118,7 @@
                   <a:srgbClr val="C00000"/>
                 </a:solidFill>
               </a:rPr>
-              <a:t>Y</a:t>
+              <a:t>D</a:t>
             </a:r>
             <a:endParaRPr lang="en-US" sz="8000" dirty="0">
               <a:solidFill>
@@ -31471,7 +31471,7 @@
                   <a:srgbClr val="C00000"/>
                 </a:solidFill>
               </a:rPr>
-              <a:t>Z</a:t>
+              <a:t>Y</a:t>
             </a:r>
             <a:endParaRPr lang="en-US" sz="8000" dirty="0">
               <a:solidFill>
@@ -31538,7 +31538,7 @@
                   <a:srgbClr val="C00000"/>
                 </a:solidFill>
               </a:rPr>
-              <a:t>Y</a:t>
+              <a:t>D</a:t>
             </a:r>
             <a:endParaRPr lang="en-US" sz="8000" dirty="0">
               <a:solidFill>
@@ -31891,7 +31891,7 @@
                   <a:srgbClr val="C00000"/>
                 </a:solidFill>
               </a:rPr>
-              <a:t>Z</a:t>
+              <a:t>Y</a:t>
             </a:r>
             <a:endParaRPr lang="en-US" sz="8000" dirty="0">
               <a:solidFill>
@@ -31958,7 +31958,7 @@
                   <a:srgbClr val="C00000"/>
                 </a:solidFill>
               </a:rPr>
-              <a:t>Y</a:t>
+              <a:t>D</a:t>
             </a:r>
             <a:endParaRPr lang="en-US" sz="8000" dirty="0">
               <a:solidFill>
@@ -32316,7 +32316,7 @@
                   <a:srgbClr val="C00000"/>
                 </a:solidFill>
               </a:rPr>
-              <a:t>Z</a:t>
+              <a:t>Y</a:t>
             </a:r>
             <a:endParaRPr lang="en-US" sz="8000" dirty="0">
               <a:solidFill>
@@ -32383,7 +32383,7 @@
                   <a:srgbClr val="C00000"/>
                 </a:solidFill>
               </a:rPr>
-              <a:t>Y</a:t>
+              <a:t>D</a:t>
             </a:r>
             <a:endParaRPr lang="en-US" sz="8000" dirty="0">
               <a:solidFill>
@@ -32741,7 +32741,7 @@
                   <a:srgbClr val="C00000"/>
                 </a:solidFill>
               </a:rPr>
-              <a:t>Z</a:t>
+              <a:t>Y</a:t>
             </a:r>
             <a:endParaRPr lang="en-US" sz="8000" dirty="0">
               <a:solidFill>
@@ -32808,7 +32808,7 @@
                   <a:srgbClr val="C00000"/>
                 </a:solidFill>
               </a:rPr>
-              <a:t>Y</a:t>
+              <a:t>D</a:t>
             </a:r>
             <a:endParaRPr lang="en-US" sz="8000" dirty="0">
               <a:solidFill>
@@ -33166,7 +33166,7 @@
                   <a:srgbClr val="C00000"/>
                 </a:solidFill>
               </a:rPr>
-              <a:t>Z</a:t>
+              <a:t>Y</a:t>
             </a:r>
             <a:endParaRPr lang="en-US" sz="8000" dirty="0">
               <a:solidFill>
@@ -33233,7 +33233,7 @@
                   <a:srgbClr val="C00000"/>
                 </a:solidFill>
               </a:rPr>
-              <a:t>Y</a:t>
+              <a:t>D</a:t>
             </a:r>
             <a:endParaRPr lang="en-US" sz="8000" dirty="0">
               <a:solidFill>
@@ -33591,7 +33591,7 @@
                   <a:srgbClr val="C00000"/>
                 </a:solidFill>
               </a:rPr>
-              <a:t>Z</a:t>
+              <a:t>Y</a:t>
             </a:r>
             <a:endParaRPr lang="en-US" sz="8000" dirty="0">
               <a:solidFill>
@@ -33658,7 +33658,7 @@
                   <a:srgbClr val="C00000"/>
                 </a:solidFill>
               </a:rPr>
-              <a:t>Y</a:t>
+              <a:t>D</a:t>
             </a:r>
             <a:endParaRPr lang="en-US" sz="8000" dirty="0">
               <a:solidFill>
@@ -34011,12 +34011,12 @@
           <a:p>
             <a:pPr algn="ctr"/>
             <a:r>
-              <a:rPr lang="en-US" sz="8000" smtClean="0">
+              <a:rPr lang="en-US" sz="8000" dirty="0" smtClean="0">
                 <a:solidFill>
                   <a:srgbClr val="C00000"/>
                 </a:solidFill>
               </a:rPr>
-              <a:t>Z</a:t>
+              <a:t>Y</a:t>
             </a:r>
             <a:endParaRPr lang="en-US" sz="8000" dirty="0">
               <a:solidFill>
@@ -34083,7 +34083,7 @@
                   <a:srgbClr val="C00000"/>
                 </a:solidFill>
               </a:rPr>
-              <a:t>Y</a:t>
+              <a:t>D</a:t>
             </a:r>
             <a:endParaRPr lang="en-US" sz="8000" dirty="0">
               <a:solidFill>
@@ -34444,7 +34444,7 @@
                   <a:srgbClr val="C00000"/>
                 </a:solidFill>
               </a:rPr>
-              <a:t>Z</a:t>
+              <a:t>Y</a:t>
             </a:r>
             <a:endParaRPr lang="en-US" sz="8000" dirty="0">
               <a:solidFill>
@@ -34511,7 +34511,7 @@
                   <a:srgbClr val="C00000"/>
                 </a:solidFill>
               </a:rPr>
-              <a:t>Y</a:t>
+              <a:t>D</a:t>
             </a:r>
             <a:endParaRPr lang="en-US" sz="8000" dirty="0">
               <a:solidFill>
@@ -34869,7 +34869,7 @@
                   <a:srgbClr val="C00000"/>
                 </a:solidFill>
               </a:rPr>
-              <a:t>Z</a:t>
+              <a:t>Y</a:t>
             </a:r>
             <a:endParaRPr lang="en-US" sz="8000" dirty="0">
               <a:solidFill>
@@ -34936,7 +34936,7 @@
                   <a:srgbClr val="C00000"/>
                 </a:solidFill>
               </a:rPr>
-              <a:t>Y</a:t>
+              <a:t>D</a:t>
             </a:r>
             <a:endParaRPr lang="en-US" sz="8000" dirty="0">
               <a:solidFill>
@@ -35291,7 +35291,7 @@
                   <a:srgbClr val="C00000"/>
                 </a:solidFill>
               </a:rPr>
-              <a:t>Z</a:t>
+              <a:t>Y</a:t>
             </a:r>
             <a:endParaRPr lang="en-US" sz="8000" dirty="0">
               <a:solidFill>
@@ -35358,7 +35358,7 @@
                   <a:srgbClr val="C00000"/>
                 </a:solidFill>
               </a:rPr>
-              <a:t>Y</a:t>
+              <a:t>D</a:t>
             </a:r>
             <a:endParaRPr lang="en-US" sz="8000" dirty="0">
               <a:solidFill>
@@ -35713,7 +35713,7 @@
                   <a:srgbClr val="C00000"/>
                 </a:solidFill>
               </a:rPr>
-              <a:t>Z</a:t>
+              <a:t>Y</a:t>
             </a:r>
             <a:endParaRPr lang="en-US" sz="8000" dirty="0">
               <a:solidFill>
@@ -35780,7 +35780,7 @@
                   <a:srgbClr val="C00000"/>
                 </a:solidFill>
               </a:rPr>
-              <a:t>Y</a:t>
+              <a:t>D</a:t>
             </a:r>
             <a:endParaRPr lang="en-US" sz="8000" dirty="0">
               <a:solidFill>
@@ -36135,7 +36135,7 @@
                   <a:srgbClr val="C00000"/>
                 </a:solidFill>
               </a:rPr>
-              <a:t>Z</a:t>
+              <a:t>Y</a:t>
             </a:r>
             <a:endParaRPr lang="en-US" sz="8000" dirty="0">
               <a:solidFill>
@@ -36202,7 +36202,7 @@
                   <a:srgbClr val="C00000"/>
                 </a:solidFill>
               </a:rPr>
-              <a:t>Y</a:t>
+              <a:t>D</a:t>
             </a:r>
             <a:endParaRPr lang="en-US" sz="8000" dirty="0">
               <a:solidFill>
@@ -36560,7 +36560,7 @@
                   <a:srgbClr val="C00000"/>
                 </a:solidFill>
               </a:rPr>
-              <a:t>Z</a:t>
+              <a:t>Y</a:t>
             </a:r>
             <a:endParaRPr lang="en-US" sz="8000" dirty="0">
               <a:solidFill>
@@ -36627,7 +36627,7 @@
                   <a:srgbClr val="C00000"/>
                 </a:solidFill>
               </a:rPr>
-              <a:t>Y</a:t>
+              <a:t>D</a:t>
             </a:r>
             <a:endParaRPr lang="en-US" sz="8000" dirty="0">
               <a:solidFill>
@@ -36983,7 +36983,7 @@
                   <a:srgbClr val="C00000"/>
                 </a:solidFill>
               </a:rPr>
-              <a:t>Z</a:t>
+              <a:t>Y</a:t>
             </a:r>
             <a:endParaRPr lang="en-US" sz="8000" dirty="0">
               <a:solidFill>
@@ -37050,7 +37050,7 @@
                   <a:srgbClr val="C00000"/>
                 </a:solidFill>
               </a:rPr>
-              <a:t>Y</a:t>
+              <a:t>D</a:t>
             </a:r>
             <a:endParaRPr lang="en-US" sz="8000" dirty="0">
               <a:solidFill>
@@ -37406,7 +37406,7 @@
                   <a:srgbClr val="C00000"/>
                 </a:solidFill>
               </a:rPr>
-              <a:t>Z</a:t>
+              <a:t>Y</a:t>
             </a:r>
             <a:endParaRPr lang="en-US" sz="8000" dirty="0">
               <a:solidFill>
@@ -37473,7 +37473,7 @@
                   <a:srgbClr val="C00000"/>
                 </a:solidFill>
               </a:rPr>
-              <a:t>Y</a:t>
+              <a:t>D</a:t>
             </a:r>
             <a:endParaRPr lang="en-US" sz="8000" dirty="0">
               <a:solidFill>
@@ -37829,7 +37829,7 @@
                   <a:srgbClr val="C00000"/>
                 </a:solidFill>
               </a:rPr>
-              <a:t>Z</a:t>
+              <a:t>Y</a:t>
             </a:r>
             <a:endParaRPr lang="en-US" sz="8000" dirty="0">
               <a:solidFill>
@@ -37896,7 +37896,7 @@
                   <a:srgbClr val="C00000"/>
                 </a:solidFill>
               </a:rPr>
-              <a:t>Y</a:t>
+              <a:t>D</a:t>
             </a:r>
             <a:endParaRPr lang="en-US" sz="8000" dirty="0">
               <a:solidFill>
@@ -38247,12 +38247,12 @@
           <a:p>
             <a:pPr algn="ctr"/>
             <a:r>
-              <a:rPr lang="en-US" sz="8000" smtClean="0">
+              <a:rPr lang="en-US" sz="8000" dirty="0" smtClean="0">
                 <a:solidFill>
                   <a:srgbClr val="C00000"/>
                 </a:solidFill>
               </a:rPr>
-              <a:t>Z</a:t>
+              <a:t>Y</a:t>
             </a:r>
             <a:endParaRPr lang="en-US" sz="8000" dirty="0">
               <a:solidFill>
@@ -38319,7 +38319,7 @@
                   <a:srgbClr val="C00000"/>
                 </a:solidFill>
               </a:rPr>
-              <a:t>Y</a:t>
+              <a:t>D</a:t>
             </a:r>
             <a:endParaRPr lang="en-US" sz="8000" dirty="0">
               <a:solidFill>
@@ -38670,12 +38670,12 @@
           <a:p>
             <a:pPr algn="ctr"/>
             <a:r>
-              <a:rPr lang="en-US" sz="8000" smtClean="0">
+              <a:rPr lang="en-US" sz="8000" dirty="0" smtClean="0">
                 <a:solidFill>
                   <a:srgbClr val="C00000"/>
                 </a:solidFill>
               </a:rPr>
-              <a:t>Z</a:t>
+              <a:t>Y</a:t>
             </a:r>
             <a:endParaRPr lang="en-US" sz="8000" dirty="0">
               <a:solidFill>
@@ -38742,7 +38742,7 @@
                   <a:srgbClr val="C00000"/>
                 </a:solidFill>
               </a:rPr>
-              <a:t>Y</a:t>
+              <a:t>D</a:t>
             </a:r>
             <a:endParaRPr lang="en-US" sz="8000" dirty="0">
               <a:solidFill>
@@ -39095,12 +39095,12 @@
           <a:p>
             <a:pPr algn="ctr"/>
             <a:r>
-              <a:rPr lang="en-US" sz="8000" smtClean="0">
+              <a:rPr lang="en-US" sz="8000" dirty="0" smtClean="0">
                 <a:solidFill>
                   <a:srgbClr val="C00000"/>
                 </a:solidFill>
               </a:rPr>
-              <a:t>Z</a:t>
+              <a:t>Y</a:t>
             </a:r>
             <a:endParaRPr lang="en-US" sz="8000" dirty="0">
               <a:solidFill>
@@ -39167,7 +39167,7 @@
                   <a:srgbClr val="C00000"/>
                 </a:solidFill>
               </a:rPr>
-              <a:t>Y</a:t>
+              <a:t>D</a:t>
             </a:r>
             <a:endParaRPr lang="en-US" sz="8000" dirty="0">
               <a:solidFill>
@@ -39515,12 +39515,12 @@
           <a:p>
             <a:pPr algn="ctr"/>
             <a:r>
-              <a:rPr lang="en-US" sz="8000" smtClean="0">
+              <a:rPr lang="en-US" sz="8000" dirty="0" smtClean="0">
                 <a:solidFill>
                   <a:srgbClr val="C00000"/>
                 </a:solidFill>
               </a:rPr>
-              <a:t>Z</a:t>
+              <a:t>Y</a:t>
             </a:r>
             <a:endParaRPr lang="en-US" sz="8000" dirty="0">
               <a:solidFill>
@@ -39587,7 +39587,7 @@
                   <a:srgbClr val="C00000"/>
                 </a:solidFill>
               </a:rPr>
-              <a:t>Y</a:t>
+              <a:t>D</a:t>
             </a:r>
             <a:endParaRPr lang="en-US" sz="8000" dirty="0">
               <a:solidFill>
@@ -39935,12 +39935,12 @@
           <a:p>
             <a:pPr algn="ctr"/>
             <a:r>
-              <a:rPr lang="en-US" sz="8000" smtClean="0">
+              <a:rPr lang="en-US" sz="8000" dirty="0" smtClean="0">
                 <a:solidFill>
                   <a:srgbClr val="C00000"/>
                 </a:solidFill>
               </a:rPr>
-              <a:t>Z</a:t>
+              <a:t>Y</a:t>
             </a:r>
             <a:endParaRPr lang="en-US" sz="8000" dirty="0">
               <a:solidFill>
@@ -40007,7 +40007,7 @@
                   <a:srgbClr val="C00000"/>
                 </a:solidFill>
               </a:rPr>
-              <a:t>Y</a:t>
+              <a:t>D</a:t>
             </a:r>
             <a:endParaRPr lang="en-US" sz="8000" dirty="0">
               <a:solidFill>
@@ -40355,12 +40355,12 @@
           <a:p>
             <a:pPr algn="ctr"/>
             <a:r>
-              <a:rPr lang="en-US" sz="8000" smtClean="0">
+              <a:rPr lang="en-US" sz="8000" dirty="0" smtClean="0">
                 <a:solidFill>
                   <a:srgbClr val="C00000"/>
                 </a:solidFill>
               </a:rPr>
-              <a:t>Z</a:t>
+              <a:t>Y</a:t>
             </a:r>
             <a:endParaRPr lang="en-US" sz="8000" dirty="0">
               <a:solidFill>
@@ -40427,7 +40427,7 @@
                   <a:srgbClr val="C00000"/>
                 </a:solidFill>
               </a:rPr>
-              <a:t>Y</a:t>
+              <a:t>D</a:t>
             </a:r>
             <a:endParaRPr lang="en-US" sz="8000" dirty="0">
               <a:solidFill>
@@ -40778,12 +40778,12 @@
           <a:p>
             <a:pPr algn="ctr"/>
             <a:r>
-              <a:rPr lang="en-US" sz="8000" smtClean="0">
+              <a:rPr lang="en-US" sz="8000" dirty="0" smtClean="0">
                 <a:solidFill>
                   <a:srgbClr val="C00000"/>
                 </a:solidFill>
               </a:rPr>
-              <a:t>Z</a:t>
+              <a:t>Y</a:t>
             </a:r>
             <a:endParaRPr lang="en-US" sz="8000" dirty="0">
               <a:solidFill>
@@ -40850,7 +40850,7 @@
                   <a:srgbClr val="C00000"/>
                 </a:solidFill>
               </a:rPr>
-              <a:t>Y</a:t>
+              <a:t>D</a:t>
             </a:r>
             <a:endParaRPr lang="en-US" sz="8000" dirty="0">
               <a:solidFill>
@@ -41201,12 +41201,12 @@
           <a:p>
             <a:pPr algn="ctr"/>
             <a:r>
-              <a:rPr lang="en-US" sz="8000" smtClean="0">
+              <a:rPr lang="en-US" sz="8000" dirty="0" smtClean="0">
                 <a:solidFill>
                   <a:srgbClr val="C00000"/>
                 </a:solidFill>
               </a:rPr>
-              <a:t>Z</a:t>
+              <a:t>Y</a:t>
             </a:r>
             <a:endParaRPr lang="en-US" sz="8000" dirty="0">
               <a:solidFill>
@@ -41273,7 +41273,7 @@
                   <a:srgbClr val="C00000"/>
                 </a:solidFill>
               </a:rPr>
-              <a:t>Y</a:t>
+              <a:t>D</a:t>
             </a:r>
             <a:endParaRPr lang="en-US" sz="8000" dirty="0">
               <a:solidFill>
@@ -41624,12 +41624,12 @@
           <a:p>
             <a:pPr algn="ctr"/>
             <a:r>
-              <a:rPr lang="en-US" sz="8000" smtClean="0">
+              <a:rPr lang="en-US" sz="8000" dirty="0" smtClean="0">
                 <a:solidFill>
                   <a:srgbClr val="C00000"/>
                 </a:solidFill>
               </a:rPr>
-              <a:t>Z</a:t>
+              <a:t>Y</a:t>
             </a:r>
             <a:endParaRPr lang="en-US" sz="8000" dirty="0">
               <a:solidFill>
@@ -41696,7 +41696,7 @@
                   <a:srgbClr val="C00000"/>
                 </a:solidFill>
               </a:rPr>
-              <a:t>Y</a:t>
+              <a:t>D</a:t>
             </a:r>
             <a:endParaRPr lang="en-US" sz="8000" dirty="0">
               <a:solidFill>
@@ -42047,12 +42047,12 @@
           <a:p>
             <a:pPr algn="ctr"/>
             <a:r>
-              <a:rPr lang="en-US" sz="8000" smtClean="0">
+              <a:rPr lang="en-US" sz="8000" dirty="0" smtClean="0">
                 <a:solidFill>
                   <a:srgbClr val="C00000"/>
                 </a:solidFill>
               </a:rPr>
-              <a:t>Z</a:t>
+              <a:t>Y</a:t>
             </a:r>
             <a:endParaRPr lang="en-US" sz="8000" dirty="0">
               <a:solidFill>
@@ -42119,7 +42119,7 @@
                   <a:srgbClr val="C00000"/>
                 </a:solidFill>
               </a:rPr>
-              <a:t>Y</a:t>
+              <a:t>D</a:t>
             </a:r>
             <a:endParaRPr lang="en-US" sz="8000" dirty="0">
               <a:solidFill>
@@ -42470,12 +42470,12 @@
           <a:p>
             <a:pPr algn="ctr"/>
             <a:r>
-              <a:rPr lang="en-US" sz="8000" smtClean="0">
+              <a:rPr lang="en-US" sz="8000" dirty="0" smtClean="0">
                 <a:solidFill>
                   <a:srgbClr val="C00000"/>
                 </a:solidFill>
               </a:rPr>
-              <a:t>Z</a:t>
+              <a:t>Y</a:t>
             </a:r>
             <a:endParaRPr lang="en-US" sz="8000" dirty="0">
               <a:solidFill>
@@ -42542,7 +42542,7 @@
                   <a:srgbClr val="C00000"/>
                 </a:solidFill>
               </a:rPr>
-              <a:t>Y</a:t>
+              <a:t>D</a:t>
             </a:r>
             <a:endParaRPr lang="en-US" sz="8000" dirty="0">
               <a:solidFill>
@@ -42893,12 +42893,12 @@
           <a:p>
             <a:pPr algn="ctr"/>
             <a:r>
-              <a:rPr lang="en-US" sz="8000" smtClean="0">
+              <a:rPr lang="en-US" sz="8000" dirty="0" smtClean="0">
                 <a:solidFill>
                   <a:srgbClr val="C00000"/>
                 </a:solidFill>
               </a:rPr>
-              <a:t>Z</a:t>
+              <a:t>Y</a:t>
             </a:r>
             <a:endParaRPr lang="en-US" sz="8000" dirty="0">
               <a:solidFill>
@@ -42965,7 +42965,7 @@
                   <a:srgbClr val="C00000"/>
                 </a:solidFill>
               </a:rPr>
-              <a:t>Y</a:t>
+              <a:t>D</a:t>
             </a:r>
             <a:endParaRPr lang="en-US" sz="8000" dirty="0">
               <a:solidFill>
@@ -43313,12 +43313,12 @@
           <a:p>
             <a:pPr algn="ctr"/>
             <a:r>
-              <a:rPr lang="en-US" sz="8000" smtClean="0">
+              <a:rPr lang="en-US" sz="8000" dirty="0" smtClean="0">
                 <a:solidFill>
                   <a:srgbClr val="C00000"/>
                 </a:solidFill>
               </a:rPr>
-              <a:t>Z</a:t>
+              <a:t>Y</a:t>
             </a:r>
             <a:endParaRPr lang="en-US" sz="8000" dirty="0">
               <a:solidFill>
@@ -43385,7 +43385,7 @@
                   <a:srgbClr val="C00000"/>
                 </a:solidFill>
               </a:rPr>
-              <a:t>Y</a:t>
+              <a:t>D</a:t>
             </a:r>
             <a:endParaRPr lang="en-US" sz="8000" dirty="0">
               <a:solidFill>
@@ -43738,12 +43738,12 @@
           <a:p>
             <a:pPr algn="ctr"/>
             <a:r>
-              <a:rPr lang="en-US" sz="8000" smtClean="0">
+              <a:rPr lang="en-US" sz="8000" dirty="0" smtClean="0">
                 <a:solidFill>
                   <a:srgbClr val="C00000"/>
                 </a:solidFill>
               </a:rPr>
-              <a:t>Z</a:t>
+              <a:t>Y</a:t>
             </a:r>
             <a:endParaRPr lang="en-US" sz="8000" dirty="0">
               <a:solidFill>
@@ -43810,7 +43810,7 @@
                   <a:srgbClr val="C00000"/>
                 </a:solidFill>
               </a:rPr>
-              <a:t>Y</a:t>
+              <a:t>D</a:t>
             </a:r>
             <a:endParaRPr lang="en-US" sz="8000" dirty="0">
               <a:solidFill>
@@ -44158,12 +44158,12 @@
           <a:p>
             <a:pPr algn="ctr"/>
             <a:r>
-              <a:rPr lang="en-US" sz="8000" smtClean="0">
+              <a:rPr lang="en-US" sz="8000" dirty="0" smtClean="0">
                 <a:solidFill>
                   <a:srgbClr val="C00000"/>
                 </a:solidFill>
               </a:rPr>
-              <a:t>Z</a:t>
+              <a:t>Y</a:t>
             </a:r>
             <a:endParaRPr lang="en-US" sz="8000" dirty="0">
               <a:solidFill>
@@ -44230,7 +44230,7 @@
                   <a:srgbClr val="C00000"/>
                 </a:solidFill>
               </a:rPr>
-              <a:t>Y</a:t>
+              <a:t>D</a:t>
             </a:r>
             <a:endParaRPr lang="en-US" sz="8000" dirty="0">
               <a:solidFill>
@@ -44578,12 +44578,12 @@
           <a:p>
             <a:pPr algn="ctr"/>
             <a:r>
-              <a:rPr lang="en-US" sz="8000" smtClean="0">
+              <a:rPr lang="en-US" sz="8000" dirty="0" smtClean="0">
                 <a:solidFill>
                   <a:srgbClr val="C00000"/>
                 </a:solidFill>
               </a:rPr>
-              <a:t>Z</a:t>
+              <a:t>Y</a:t>
             </a:r>
             <a:endParaRPr lang="en-US" sz="8000" dirty="0">
               <a:solidFill>
@@ -44650,7 +44650,7 @@
                   <a:srgbClr val="C00000"/>
                 </a:solidFill>
               </a:rPr>
-              <a:t>Y</a:t>
+              <a:t>D</a:t>
             </a:r>
             <a:endParaRPr lang="en-US" sz="8000" dirty="0">
               <a:solidFill>
